--- a/웹 스크래핑&crawling/python_ML.pptx
+++ b/웹 스크래핑&crawling/python_ML.pptx
@@ -420,7 +420,7 @@
           <a:p>
             <a:fld id="{F650DB4D-4E24-4CF8-81D8-92DC86E5D2B2}" type="datetimeFigureOut">
               <a:rPr lang="ko-KR" altLang="en-US" smtClean="0"/>
-              <a:t>2020-02-24</a:t>
+              <a:t>2020-03-09</a:t>
             </a:fld>
             <a:endParaRPr lang="ko-KR" altLang="en-US"/>
           </a:p>
@@ -855,7 +855,7 @@
           <a:p>
             <a:fld id="{55970385-2E09-49C8-A7F3-8D99E70111CF}" type="slidenum">
               <a:rPr lang="ko-KR" altLang="en-US" smtClean="0"/>
-              <a:t>55</a:t>
+              <a:t>53</a:t>
             </a:fld>
             <a:endParaRPr lang="ko-KR" altLang="en-US"/>
           </a:p>
@@ -864,7 +864,7 @@
     </p:spTree>
     <p:extLst>
       <p:ext uri="{BB962C8B-B14F-4D97-AF65-F5344CB8AC3E}">
-        <p14:creationId xmlns:p14="http://schemas.microsoft.com/office/powerpoint/2010/main" val="3277784963"/>
+        <p14:creationId xmlns:p14="http://schemas.microsoft.com/office/powerpoint/2010/main" val="1421290711"/>
       </p:ext>
     </p:extLst>
   </p:cSld>
@@ -951,7 +951,7 @@
           <a:p>
             <a:fld id="{55970385-2E09-49C8-A7F3-8D99E70111CF}" type="slidenum">
               <a:rPr lang="ko-KR" altLang="en-US" smtClean="0"/>
-              <a:t>56</a:t>
+              <a:t>54</a:t>
             </a:fld>
             <a:endParaRPr lang="ko-KR" altLang="en-US"/>
           </a:p>
@@ -960,7 +960,7 @@
     </p:spTree>
     <p:extLst>
       <p:ext uri="{BB962C8B-B14F-4D97-AF65-F5344CB8AC3E}">
-        <p14:creationId xmlns:p14="http://schemas.microsoft.com/office/powerpoint/2010/main" val="639588676"/>
+        <p14:creationId xmlns:p14="http://schemas.microsoft.com/office/powerpoint/2010/main" val="2308505663"/>
       </p:ext>
     </p:extLst>
   </p:cSld>
@@ -1047,7 +1047,7 @@
           <a:p>
             <a:fld id="{55970385-2E09-49C8-A7F3-8D99E70111CF}" type="slidenum">
               <a:rPr lang="ko-KR" altLang="en-US" smtClean="0"/>
-              <a:t>57</a:t>
+              <a:t>55</a:t>
             </a:fld>
             <a:endParaRPr lang="ko-KR" altLang="en-US"/>
           </a:p>
@@ -1056,7 +1056,7 @@
     </p:spTree>
     <p:extLst>
       <p:ext uri="{BB962C8B-B14F-4D97-AF65-F5344CB8AC3E}">
-        <p14:creationId xmlns:p14="http://schemas.microsoft.com/office/powerpoint/2010/main" val="2950019792"/>
+        <p14:creationId xmlns:p14="http://schemas.microsoft.com/office/powerpoint/2010/main" val="3277784963"/>
       </p:ext>
     </p:extLst>
   </p:cSld>
@@ -1143,7 +1143,7 @@
           <a:p>
             <a:fld id="{55970385-2E09-49C8-A7F3-8D99E70111CF}" type="slidenum">
               <a:rPr lang="ko-KR" altLang="en-US" smtClean="0"/>
-              <a:t>58</a:t>
+              <a:t>56</a:t>
             </a:fld>
             <a:endParaRPr lang="ko-KR" altLang="en-US"/>
           </a:p>
@@ -1152,7 +1152,7 @@
     </p:spTree>
     <p:extLst>
       <p:ext uri="{BB962C8B-B14F-4D97-AF65-F5344CB8AC3E}">
-        <p14:creationId xmlns:p14="http://schemas.microsoft.com/office/powerpoint/2010/main" val="3834724615"/>
+        <p14:creationId xmlns:p14="http://schemas.microsoft.com/office/powerpoint/2010/main" val="639588676"/>
       </p:ext>
     </p:extLst>
   </p:cSld>
@@ -1239,7 +1239,7 @@
           <a:p>
             <a:fld id="{55970385-2E09-49C8-A7F3-8D99E70111CF}" type="slidenum">
               <a:rPr lang="ko-KR" altLang="en-US" smtClean="0"/>
-              <a:t>59</a:t>
+              <a:t>57</a:t>
             </a:fld>
             <a:endParaRPr lang="ko-KR" altLang="en-US"/>
           </a:p>
@@ -1248,7 +1248,7 @@
     </p:spTree>
     <p:extLst>
       <p:ext uri="{BB962C8B-B14F-4D97-AF65-F5344CB8AC3E}">
-        <p14:creationId xmlns:p14="http://schemas.microsoft.com/office/powerpoint/2010/main" val="1288144857"/>
+        <p14:creationId xmlns:p14="http://schemas.microsoft.com/office/powerpoint/2010/main" val="2950019792"/>
       </p:ext>
     </p:extLst>
   </p:cSld>
@@ -1335,7 +1335,7 @@
           <a:p>
             <a:fld id="{55970385-2E09-49C8-A7F3-8D99E70111CF}" type="slidenum">
               <a:rPr lang="ko-KR" altLang="en-US" smtClean="0"/>
-              <a:t>60</a:t>
+              <a:t>58</a:t>
             </a:fld>
             <a:endParaRPr lang="ko-KR" altLang="en-US"/>
           </a:p>
@@ -1344,7 +1344,7 @@
     </p:spTree>
     <p:extLst>
       <p:ext uri="{BB962C8B-B14F-4D97-AF65-F5344CB8AC3E}">
-        <p14:creationId xmlns:p14="http://schemas.microsoft.com/office/powerpoint/2010/main" val="2889567198"/>
+        <p14:creationId xmlns:p14="http://schemas.microsoft.com/office/powerpoint/2010/main" val="3834724615"/>
       </p:ext>
     </p:extLst>
   </p:cSld>
@@ -1431,7 +1431,7 @@
           <a:p>
             <a:fld id="{55970385-2E09-49C8-A7F3-8D99E70111CF}" type="slidenum">
               <a:rPr lang="ko-KR" altLang="en-US" smtClean="0"/>
-              <a:t>61</a:t>
+              <a:t>59</a:t>
             </a:fld>
             <a:endParaRPr lang="ko-KR" altLang="en-US"/>
           </a:p>
@@ -1440,7 +1440,7 @@
     </p:spTree>
     <p:extLst>
       <p:ext uri="{BB962C8B-B14F-4D97-AF65-F5344CB8AC3E}">
-        <p14:creationId xmlns:p14="http://schemas.microsoft.com/office/powerpoint/2010/main" val="1418328274"/>
+        <p14:creationId xmlns:p14="http://schemas.microsoft.com/office/powerpoint/2010/main" val="1288144857"/>
       </p:ext>
     </p:extLst>
   </p:cSld>
@@ -1527,7 +1527,7 @@
           <a:p>
             <a:fld id="{55970385-2E09-49C8-A7F3-8D99E70111CF}" type="slidenum">
               <a:rPr lang="ko-KR" altLang="en-US" smtClean="0"/>
-              <a:t>62</a:t>
+              <a:t>60</a:t>
             </a:fld>
             <a:endParaRPr lang="ko-KR" altLang="en-US"/>
           </a:p>
@@ -1536,7 +1536,7 @@
     </p:spTree>
     <p:extLst>
       <p:ext uri="{BB962C8B-B14F-4D97-AF65-F5344CB8AC3E}">
-        <p14:creationId xmlns:p14="http://schemas.microsoft.com/office/powerpoint/2010/main" val="2383435320"/>
+        <p14:creationId xmlns:p14="http://schemas.microsoft.com/office/powerpoint/2010/main" val="2889567198"/>
       </p:ext>
     </p:extLst>
   </p:cSld>
@@ -1623,7 +1623,7 @@
           <a:p>
             <a:fld id="{55970385-2E09-49C8-A7F3-8D99E70111CF}" type="slidenum">
               <a:rPr lang="ko-KR" altLang="en-US" smtClean="0"/>
-              <a:t>63</a:t>
+              <a:t>61</a:t>
             </a:fld>
             <a:endParaRPr lang="ko-KR" altLang="en-US"/>
           </a:p>
@@ -1632,7 +1632,7 @@
     </p:spTree>
     <p:extLst>
       <p:ext uri="{BB962C8B-B14F-4D97-AF65-F5344CB8AC3E}">
-        <p14:creationId xmlns:p14="http://schemas.microsoft.com/office/powerpoint/2010/main" val="2337706976"/>
+        <p14:creationId xmlns:p14="http://schemas.microsoft.com/office/powerpoint/2010/main" val="1418328274"/>
       </p:ext>
     </p:extLst>
   </p:cSld>
@@ -1719,7 +1719,7 @@
           <a:p>
             <a:fld id="{55970385-2E09-49C8-A7F3-8D99E70111CF}" type="slidenum">
               <a:rPr lang="ko-KR" altLang="en-US" smtClean="0"/>
-              <a:t>64</a:t>
+              <a:t>62</a:t>
             </a:fld>
             <a:endParaRPr lang="ko-KR" altLang="en-US"/>
           </a:p>
@@ -1728,7 +1728,7 @@
     </p:spTree>
     <p:extLst>
       <p:ext uri="{BB962C8B-B14F-4D97-AF65-F5344CB8AC3E}">
-        <p14:creationId xmlns:p14="http://schemas.microsoft.com/office/powerpoint/2010/main" val="1998990641"/>
+        <p14:creationId xmlns:p14="http://schemas.microsoft.com/office/powerpoint/2010/main" val="2383435320"/>
       </p:ext>
     </p:extLst>
   </p:cSld>
@@ -1915,7 +1915,7 @@
           <a:p>
             <a:fld id="{55970385-2E09-49C8-A7F3-8D99E70111CF}" type="slidenum">
               <a:rPr lang="ko-KR" altLang="en-US" smtClean="0"/>
-              <a:t>65</a:t>
+              <a:t>63</a:t>
             </a:fld>
             <a:endParaRPr lang="ko-KR" altLang="en-US"/>
           </a:p>
@@ -1924,7 +1924,7 @@
     </p:spTree>
     <p:extLst>
       <p:ext uri="{BB962C8B-B14F-4D97-AF65-F5344CB8AC3E}">
-        <p14:creationId xmlns:p14="http://schemas.microsoft.com/office/powerpoint/2010/main" val="1412222568"/>
+        <p14:creationId xmlns:p14="http://schemas.microsoft.com/office/powerpoint/2010/main" val="2337706976"/>
       </p:ext>
     </p:extLst>
   </p:cSld>
@@ -2011,7 +2011,7 @@
           <a:p>
             <a:fld id="{55970385-2E09-49C8-A7F3-8D99E70111CF}" type="slidenum">
               <a:rPr lang="ko-KR" altLang="en-US" smtClean="0"/>
-              <a:t>66</a:t>
+              <a:t>64</a:t>
             </a:fld>
             <a:endParaRPr lang="ko-KR" altLang="en-US"/>
           </a:p>
@@ -2020,7 +2020,7 @@
     </p:spTree>
     <p:extLst>
       <p:ext uri="{BB962C8B-B14F-4D97-AF65-F5344CB8AC3E}">
-        <p14:creationId xmlns:p14="http://schemas.microsoft.com/office/powerpoint/2010/main" val="1020873104"/>
+        <p14:creationId xmlns:p14="http://schemas.microsoft.com/office/powerpoint/2010/main" val="1998990641"/>
       </p:ext>
     </p:extLst>
   </p:cSld>
@@ -2107,7 +2107,7 @@
           <a:p>
             <a:fld id="{55970385-2E09-49C8-A7F3-8D99E70111CF}" type="slidenum">
               <a:rPr lang="ko-KR" altLang="en-US" smtClean="0"/>
-              <a:t>67</a:t>
+              <a:t>65</a:t>
             </a:fld>
             <a:endParaRPr lang="ko-KR" altLang="en-US"/>
           </a:p>
@@ -2116,7 +2116,7 @@
     </p:spTree>
     <p:extLst>
       <p:ext uri="{BB962C8B-B14F-4D97-AF65-F5344CB8AC3E}">
-        <p14:creationId xmlns:p14="http://schemas.microsoft.com/office/powerpoint/2010/main" val="2710797904"/>
+        <p14:creationId xmlns:p14="http://schemas.microsoft.com/office/powerpoint/2010/main" val="1412222568"/>
       </p:ext>
     </p:extLst>
   </p:cSld>
@@ -2203,7 +2203,7 @@
           <a:p>
             <a:fld id="{55970385-2E09-49C8-A7F3-8D99E70111CF}" type="slidenum">
               <a:rPr lang="ko-KR" altLang="en-US" smtClean="0"/>
-              <a:t>69</a:t>
+              <a:t>66</a:t>
             </a:fld>
             <a:endParaRPr lang="ko-KR" altLang="en-US"/>
           </a:p>
@@ -2212,7 +2212,7 @@
     </p:spTree>
     <p:extLst>
       <p:ext uri="{BB962C8B-B14F-4D97-AF65-F5344CB8AC3E}">
-        <p14:creationId xmlns:p14="http://schemas.microsoft.com/office/powerpoint/2010/main" val="2476368118"/>
+        <p14:creationId xmlns:p14="http://schemas.microsoft.com/office/powerpoint/2010/main" val="1020873104"/>
       </p:ext>
     </p:extLst>
   </p:cSld>
@@ -2299,7 +2299,7 @@
           <a:p>
             <a:fld id="{55970385-2E09-49C8-A7F3-8D99E70111CF}" type="slidenum">
               <a:rPr lang="ko-KR" altLang="en-US" smtClean="0"/>
-              <a:t>70</a:t>
+              <a:t>67</a:t>
             </a:fld>
             <a:endParaRPr lang="ko-KR" altLang="en-US"/>
           </a:p>
@@ -2308,7 +2308,7 @@
     </p:spTree>
     <p:extLst>
       <p:ext uri="{BB962C8B-B14F-4D97-AF65-F5344CB8AC3E}">
-        <p14:creationId xmlns:p14="http://schemas.microsoft.com/office/powerpoint/2010/main" val="2498084912"/>
+        <p14:creationId xmlns:p14="http://schemas.microsoft.com/office/powerpoint/2010/main" val="2710797904"/>
       </p:ext>
     </p:extLst>
   </p:cSld>
@@ -2395,7 +2395,7 @@
           <a:p>
             <a:fld id="{55970385-2E09-49C8-A7F3-8D99E70111CF}" type="slidenum">
               <a:rPr lang="ko-KR" altLang="en-US" smtClean="0"/>
-              <a:t>71</a:t>
+              <a:t>69</a:t>
             </a:fld>
             <a:endParaRPr lang="ko-KR" altLang="en-US"/>
           </a:p>
@@ -2404,7 +2404,7 @@
     </p:spTree>
     <p:extLst>
       <p:ext uri="{BB962C8B-B14F-4D97-AF65-F5344CB8AC3E}">
-        <p14:creationId xmlns:p14="http://schemas.microsoft.com/office/powerpoint/2010/main" val="1979778182"/>
+        <p14:creationId xmlns:p14="http://schemas.microsoft.com/office/powerpoint/2010/main" val="2476368118"/>
       </p:ext>
     </p:extLst>
   </p:cSld>
@@ -2491,7 +2491,7 @@
           <a:p>
             <a:fld id="{55970385-2E09-49C8-A7F3-8D99E70111CF}" type="slidenum">
               <a:rPr lang="ko-KR" altLang="en-US" smtClean="0"/>
-              <a:t>72</a:t>
+              <a:t>70</a:t>
             </a:fld>
             <a:endParaRPr lang="ko-KR" altLang="en-US"/>
           </a:p>
@@ -2500,7 +2500,7 @@
     </p:spTree>
     <p:extLst>
       <p:ext uri="{BB962C8B-B14F-4D97-AF65-F5344CB8AC3E}">
-        <p14:creationId xmlns:p14="http://schemas.microsoft.com/office/powerpoint/2010/main" val="1872120237"/>
+        <p14:creationId xmlns:p14="http://schemas.microsoft.com/office/powerpoint/2010/main" val="2498084912"/>
       </p:ext>
     </p:extLst>
   </p:cSld>
@@ -2587,7 +2587,7 @@
           <a:p>
             <a:fld id="{55970385-2E09-49C8-A7F3-8D99E70111CF}" type="slidenum">
               <a:rPr lang="ko-KR" altLang="en-US" smtClean="0"/>
-              <a:t>73</a:t>
+              <a:t>71</a:t>
             </a:fld>
             <a:endParaRPr lang="ko-KR" altLang="en-US"/>
           </a:p>
@@ -2596,7 +2596,7 @@
     </p:spTree>
     <p:extLst>
       <p:ext uri="{BB962C8B-B14F-4D97-AF65-F5344CB8AC3E}">
-        <p14:creationId xmlns:p14="http://schemas.microsoft.com/office/powerpoint/2010/main" val="2910730292"/>
+        <p14:creationId xmlns:p14="http://schemas.microsoft.com/office/powerpoint/2010/main" val="1979778182"/>
       </p:ext>
     </p:extLst>
   </p:cSld>
@@ -2683,7 +2683,7 @@
           <a:p>
             <a:fld id="{55970385-2E09-49C8-A7F3-8D99E70111CF}" type="slidenum">
               <a:rPr lang="ko-KR" altLang="en-US" smtClean="0"/>
-              <a:t>74</a:t>
+              <a:t>72</a:t>
             </a:fld>
             <a:endParaRPr lang="ko-KR" altLang="en-US"/>
           </a:p>
@@ -2692,7 +2692,7 @@
     </p:spTree>
     <p:extLst>
       <p:ext uri="{BB962C8B-B14F-4D97-AF65-F5344CB8AC3E}">
-        <p14:creationId xmlns:p14="http://schemas.microsoft.com/office/powerpoint/2010/main" val="1007605120"/>
+        <p14:creationId xmlns:p14="http://schemas.microsoft.com/office/powerpoint/2010/main" val="1872120237"/>
       </p:ext>
     </p:extLst>
   </p:cSld>
@@ -2779,7 +2779,7 @@
           <a:p>
             <a:fld id="{55970385-2E09-49C8-A7F3-8D99E70111CF}" type="slidenum">
               <a:rPr lang="ko-KR" altLang="en-US" smtClean="0"/>
-              <a:t>75</a:t>
+              <a:t>73</a:t>
             </a:fld>
             <a:endParaRPr lang="ko-KR" altLang="en-US"/>
           </a:p>
@@ -2788,7 +2788,7 @@
     </p:spTree>
     <p:extLst>
       <p:ext uri="{BB962C8B-B14F-4D97-AF65-F5344CB8AC3E}">
-        <p14:creationId xmlns:p14="http://schemas.microsoft.com/office/powerpoint/2010/main" val="2249952893"/>
+        <p14:creationId xmlns:p14="http://schemas.microsoft.com/office/powerpoint/2010/main" val="2910730292"/>
       </p:ext>
     </p:extLst>
   </p:cSld>
@@ -2959,7 +2959,7 @@
           <a:p>
             <a:fld id="{55970385-2E09-49C8-A7F3-8D99E70111CF}" type="slidenum">
               <a:rPr lang="ko-KR" altLang="en-US" smtClean="0"/>
-              <a:t>76</a:t>
+              <a:t>74</a:t>
             </a:fld>
             <a:endParaRPr lang="ko-KR" altLang="en-US"/>
           </a:p>
@@ -2968,7 +2968,7 @@
     </p:spTree>
     <p:extLst>
       <p:ext uri="{BB962C8B-B14F-4D97-AF65-F5344CB8AC3E}">
-        <p14:creationId xmlns:p14="http://schemas.microsoft.com/office/powerpoint/2010/main" val="3101993064"/>
+        <p14:creationId xmlns:p14="http://schemas.microsoft.com/office/powerpoint/2010/main" val="1007605120"/>
       </p:ext>
     </p:extLst>
   </p:cSld>
@@ -3055,7 +3055,7 @@
           <a:p>
             <a:fld id="{55970385-2E09-49C8-A7F3-8D99E70111CF}" type="slidenum">
               <a:rPr lang="ko-KR" altLang="en-US" smtClean="0"/>
-              <a:t>77</a:t>
+              <a:t>75</a:t>
             </a:fld>
             <a:endParaRPr lang="ko-KR" altLang="en-US"/>
           </a:p>
@@ -3064,7 +3064,7 @@
     </p:spTree>
     <p:extLst>
       <p:ext uri="{BB962C8B-B14F-4D97-AF65-F5344CB8AC3E}">
-        <p14:creationId xmlns:p14="http://schemas.microsoft.com/office/powerpoint/2010/main" val="141633864"/>
+        <p14:creationId xmlns:p14="http://schemas.microsoft.com/office/powerpoint/2010/main" val="2249952893"/>
       </p:ext>
     </p:extLst>
   </p:cSld>
@@ -3151,7 +3151,7 @@
           <a:p>
             <a:fld id="{55970385-2E09-49C8-A7F3-8D99E70111CF}" type="slidenum">
               <a:rPr lang="ko-KR" altLang="en-US" smtClean="0"/>
-              <a:t>78</a:t>
+              <a:t>76</a:t>
             </a:fld>
             <a:endParaRPr lang="ko-KR" altLang="en-US"/>
           </a:p>
@@ -3160,7 +3160,7 @@
     </p:spTree>
     <p:extLst>
       <p:ext uri="{BB962C8B-B14F-4D97-AF65-F5344CB8AC3E}">
-        <p14:creationId xmlns:p14="http://schemas.microsoft.com/office/powerpoint/2010/main" val="1646002569"/>
+        <p14:creationId xmlns:p14="http://schemas.microsoft.com/office/powerpoint/2010/main" val="3101993064"/>
       </p:ext>
     </p:extLst>
   </p:cSld>
@@ -3247,7 +3247,7 @@
           <a:p>
             <a:fld id="{55970385-2E09-49C8-A7F3-8D99E70111CF}" type="slidenum">
               <a:rPr lang="ko-KR" altLang="en-US" smtClean="0"/>
-              <a:t>79</a:t>
+              <a:t>77</a:t>
             </a:fld>
             <a:endParaRPr lang="ko-KR" altLang="en-US"/>
           </a:p>
@@ -3256,7 +3256,7 @@
     </p:spTree>
     <p:extLst>
       <p:ext uri="{BB962C8B-B14F-4D97-AF65-F5344CB8AC3E}">
-        <p14:creationId xmlns:p14="http://schemas.microsoft.com/office/powerpoint/2010/main" val="2116857110"/>
+        <p14:creationId xmlns:p14="http://schemas.microsoft.com/office/powerpoint/2010/main" val="141633864"/>
       </p:ext>
     </p:extLst>
   </p:cSld>
@@ -3343,7 +3343,7 @@
           <a:p>
             <a:fld id="{55970385-2E09-49C8-A7F3-8D99E70111CF}" type="slidenum">
               <a:rPr lang="ko-KR" altLang="en-US" smtClean="0"/>
-              <a:t>80</a:t>
+              <a:t>78</a:t>
             </a:fld>
             <a:endParaRPr lang="ko-KR" altLang="en-US"/>
           </a:p>
@@ -3352,7 +3352,7 @@
     </p:spTree>
     <p:extLst>
       <p:ext uri="{BB962C8B-B14F-4D97-AF65-F5344CB8AC3E}">
-        <p14:creationId xmlns:p14="http://schemas.microsoft.com/office/powerpoint/2010/main" val="846406759"/>
+        <p14:creationId xmlns:p14="http://schemas.microsoft.com/office/powerpoint/2010/main" val="1646002569"/>
       </p:ext>
     </p:extLst>
   </p:cSld>
@@ -3439,7 +3439,7 @@
           <a:p>
             <a:fld id="{55970385-2E09-49C8-A7F3-8D99E70111CF}" type="slidenum">
               <a:rPr lang="ko-KR" altLang="en-US" smtClean="0"/>
-              <a:t>82</a:t>
+              <a:t>79</a:t>
             </a:fld>
             <a:endParaRPr lang="ko-KR" altLang="en-US"/>
           </a:p>
@@ -3448,7 +3448,7 @@
     </p:spTree>
     <p:extLst>
       <p:ext uri="{BB962C8B-B14F-4D97-AF65-F5344CB8AC3E}">
-        <p14:creationId xmlns:p14="http://schemas.microsoft.com/office/powerpoint/2010/main" val="2870370853"/>
+        <p14:creationId xmlns:p14="http://schemas.microsoft.com/office/powerpoint/2010/main" val="2116857110"/>
       </p:ext>
     </p:extLst>
   </p:cSld>
@@ -3535,7 +3535,7 @@
           <a:p>
             <a:fld id="{55970385-2E09-49C8-A7F3-8D99E70111CF}" type="slidenum">
               <a:rPr lang="ko-KR" altLang="en-US" smtClean="0"/>
-              <a:t>83</a:t>
+              <a:t>80</a:t>
             </a:fld>
             <a:endParaRPr lang="ko-KR" altLang="en-US"/>
           </a:p>
@@ -3544,7 +3544,7 @@
     </p:spTree>
     <p:extLst>
       <p:ext uri="{BB962C8B-B14F-4D97-AF65-F5344CB8AC3E}">
-        <p14:creationId xmlns:p14="http://schemas.microsoft.com/office/powerpoint/2010/main" val="584492590"/>
+        <p14:creationId xmlns:p14="http://schemas.microsoft.com/office/powerpoint/2010/main" val="846406759"/>
       </p:ext>
     </p:extLst>
   </p:cSld>
@@ -3631,7 +3631,7 @@
           <a:p>
             <a:fld id="{55970385-2E09-49C8-A7F3-8D99E70111CF}" type="slidenum">
               <a:rPr lang="ko-KR" altLang="en-US" smtClean="0"/>
-              <a:t>84</a:t>
+              <a:t>82</a:t>
             </a:fld>
             <a:endParaRPr lang="ko-KR" altLang="en-US"/>
           </a:p>
@@ -3640,7 +3640,7 @@
     </p:spTree>
     <p:extLst>
       <p:ext uri="{BB962C8B-B14F-4D97-AF65-F5344CB8AC3E}">
-        <p14:creationId xmlns:p14="http://schemas.microsoft.com/office/powerpoint/2010/main" val="2016450695"/>
+        <p14:creationId xmlns:p14="http://schemas.microsoft.com/office/powerpoint/2010/main" val="2870370853"/>
       </p:ext>
     </p:extLst>
   </p:cSld>
@@ -3727,7 +3727,7 @@
           <a:p>
             <a:fld id="{55970385-2E09-49C8-A7F3-8D99E70111CF}" type="slidenum">
               <a:rPr lang="ko-KR" altLang="en-US" smtClean="0"/>
-              <a:t>85</a:t>
+              <a:t>83</a:t>
             </a:fld>
             <a:endParaRPr lang="ko-KR" altLang="en-US"/>
           </a:p>
@@ -3736,7 +3736,7 @@
     </p:spTree>
     <p:extLst>
       <p:ext uri="{BB962C8B-B14F-4D97-AF65-F5344CB8AC3E}">
-        <p14:creationId xmlns:p14="http://schemas.microsoft.com/office/powerpoint/2010/main" val="1167306300"/>
+        <p14:creationId xmlns:p14="http://schemas.microsoft.com/office/powerpoint/2010/main" val="584492590"/>
       </p:ext>
     </p:extLst>
   </p:cSld>
@@ -3823,7 +3823,7 @@
           <a:p>
             <a:fld id="{55970385-2E09-49C8-A7F3-8D99E70111CF}" type="slidenum">
               <a:rPr lang="ko-KR" altLang="en-US" smtClean="0"/>
-              <a:t>86</a:t>
+              <a:t>84</a:t>
             </a:fld>
             <a:endParaRPr lang="ko-KR" altLang="en-US"/>
           </a:p>
@@ -3832,7 +3832,7 @@
     </p:spTree>
     <p:extLst>
       <p:ext uri="{BB962C8B-B14F-4D97-AF65-F5344CB8AC3E}">
-        <p14:creationId xmlns:p14="http://schemas.microsoft.com/office/powerpoint/2010/main" val="1636915541"/>
+        <p14:creationId xmlns:p14="http://schemas.microsoft.com/office/powerpoint/2010/main" val="2016450695"/>
       </p:ext>
     </p:extLst>
   </p:cSld>
@@ -4033,7 +4033,7 @@
           <a:p>
             <a:fld id="{55970385-2E09-49C8-A7F3-8D99E70111CF}" type="slidenum">
               <a:rPr lang="ko-KR" altLang="en-US" smtClean="0"/>
-              <a:t>87</a:t>
+              <a:t>85</a:t>
             </a:fld>
             <a:endParaRPr lang="ko-KR" altLang="en-US"/>
           </a:p>
@@ -4042,7 +4042,7 @@
     </p:spTree>
     <p:extLst>
       <p:ext uri="{BB962C8B-B14F-4D97-AF65-F5344CB8AC3E}">
-        <p14:creationId xmlns:p14="http://schemas.microsoft.com/office/powerpoint/2010/main" val="1222521631"/>
+        <p14:creationId xmlns:p14="http://schemas.microsoft.com/office/powerpoint/2010/main" val="1167306300"/>
       </p:ext>
     </p:extLst>
   </p:cSld>
@@ -4129,7 +4129,7 @@
           <a:p>
             <a:fld id="{55970385-2E09-49C8-A7F3-8D99E70111CF}" type="slidenum">
               <a:rPr lang="ko-KR" altLang="en-US" smtClean="0"/>
-              <a:t>88</a:t>
+              <a:t>86</a:t>
             </a:fld>
             <a:endParaRPr lang="ko-KR" altLang="en-US"/>
           </a:p>
@@ -4138,7 +4138,7 @@
     </p:spTree>
     <p:extLst>
       <p:ext uri="{BB962C8B-B14F-4D97-AF65-F5344CB8AC3E}">
-        <p14:creationId xmlns:p14="http://schemas.microsoft.com/office/powerpoint/2010/main" val="858643011"/>
+        <p14:creationId xmlns:p14="http://schemas.microsoft.com/office/powerpoint/2010/main" val="1636915541"/>
       </p:ext>
     </p:extLst>
   </p:cSld>
@@ -4193,7 +4193,7 @@
           <a:lstStyle/>
           <a:p>
             <a:r>
-              <a:rPr lang="ko-KR" altLang="en-US" sz="1200" b="0" i="0" kern="1200" dirty="0" err="1" smtClean="0">
+              <a:rPr lang="en-US" altLang="ko-KR" sz="1200" b="0" i="0" kern="1200" dirty="0" smtClean="0">
                 <a:solidFill>
                   <a:schemeClr val="tx1"/>
                 </a:solidFill>
@@ -4202,79 +4202,7 @@
                 <a:ea typeface="+mn-ea"/>
                 <a:cs typeface="+mn-cs"/>
               </a:rPr>
-              <a:t>데이터셋은</a:t>
-            </a:r>
-            <a:r>
-              <a:rPr lang="ko-KR" altLang="en-US" sz="1200" b="0" i="0" kern="1200" dirty="0" smtClean="0">
-                <a:solidFill>
-                  <a:schemeClr val="tx1"/>
-                </a:solidFill>
-                <a:effectLst/>
-                <a:latin typeface="+mn-lt"/>
-                <a:ea typeface="+mn-ea"/>
-                <a:cs typeface="+mn-cs"/>
-              </a:rPr>
               <a:t> </a:t>
-            </a:r>
-            <a:r>
-              <a:rPr lang="ko-KR" altLang="en-US" sz="1200" b="0" i="0" kern="1200" dirty="0" err="1" smtClean="0">
-                <a:solidFill>
-                  <a:schemeClr val="tx1"/>
-                </a:solidFill>
-                <a:effectLst/>
-                <a:latin typeface="+mn-lt"/>
-                <a:ea typeface="+mn-ea"/>
-                <a:cs typeface="+mn-cs"/>
-              </a:rPr>
-              <a:t>스팸</a:t>
-            </a:r>
-            <a:r>
-              <a:rPr lang="ko-KR" altLang="en-US" sz="1200" b="0" i="0" kern="1200" dirty="0" smtClean="0">
-                <a:solidFill>
-                  <a:schemeClr val="tx1"/>
-                </a:solidFill>
-                <a:effectLst/>
-                <a:latin typeface="+mn-lt"/>
-                <a:ea typeface="+mn-ea"/>
-                <a:cs typeface="+mn-cs"/>
-              </a:rPr>
-              <a:t> 메일 분류하기 </a:t>
-            </a:r>
-            <a:r>
-              <a:rPr lang="ko-KR" altLang="en-US" sz="1200" b="0" i="0" kern="1200" dirty="0" err="1" smtClean="0">
-                <a:solidFill>
-                  <a:schemeClr val="tx1"/>
-                </a:solidFill>
-                <a:effectLst/>
-                <a:latin typeface="+mn-lt"/>
-                <a:ea typeface="+mn-ea"/>
-                <a:cs typeface="+mn-cs"/>
-              </a:rPr>
-              <a:t>챕터</a:t>
-            </a:r>
-            <a:r>
-              <a:rPr lang="ko-KR" altLang="en-US" sz="1200" b="0" i="0" kern="1200" dirty="0" smtClean="0">
-                <a:solidFill>
-                  <a:schemeClr val="tx1"/>
-                </a:solidFill>
-                <a:effectLst/>
-                <a:latin typeface="+mn-lt"/>
-                <a:ea typeface="+mn-ea"/>
-                <a:cs typeface="+mn-cs"/>
-              </a:rPr>
-              <a:t> </a:t>
-            </a:r>
-            <a:r>
-              <a:rPr lang="en-US" altLang="ko-KR" sz="1200" b="0" i="0" kern="1200" dirty="0" smtClean="0">
-                <a:solidFill>
-                  <a:schemeClr val="tx1"/>
-                </a:solidFill>
-                <a:effectLst/>
-                <a:latin typeface="+mn-lt"/>
-                <a:ea typeface="+mn-ea"/>
-                <a:cs typeface="+mn-cs"/>
-              </a:rPr>
-              <a:t>- https://www.kaggle.com/uciml/sms-spam-collection-dataset</a:t>
             </a:r>
             <a:endParaRPr lang="ko-KR" altLang="en-US" dirty="0"/>
           </a:p>
@@ -4297,7 +4225,7 @@
           <a:p>
             <a:fld id="{55970385-2E09-49C8-A7F3-8D99E70111CF}" type="slidenum">
               <a:rPr lang="ko-KR" altLang="en-US" smtClean="0"/>
-              <a:t>94</a:t>
+              <a:t>87</a:t>
             </a:fld>
             <a:endParaRPr lang="ko-KR" altLang="en-US"/>
           </a:p>
@@ -4306,7 +4234,7 @@
     </p:spTree>
     <p:extLst>
       <p:ext uri="{BB962C8B-B14F-4D97-AF65-F5344CB8AC3E}">
-        <p14:creationId xmlns:p14="http://schemas.microsoft.com/office/powerpoint/2010/main" val="3959723346"/>
+        <p14:creationId xmlns:p14="http://schemas.microsoft.com/office/powerpoint/2010/main" val="1222521631"/>
       </p:ext>
     </p:extLst>
   </p:cSld>
@@ -4393,7 +4321,7 @@
           <a:p>
             <a:fld id="{55970385-2E09-49C8-A7F3-8D99E70111CF}" type="slidenum">
               <a:rPr lang="ko-KR" altLang="en-US" smtClean="0"/>
-              <a:t>95</a:t>
+              <a:t>88</a:t>
             </a:fld>
             <a:endParaRPr lang="ko-KR" altLang="en-US"/>
           </a:p>
@@ -4402,7 +4330,7 @@
     </p:spTree>
     <p:extLst>
       <p:ext uri="{BB962C8B-B14F-4D97-AF65-F5344CB8AC3E}">
-        <p14:creationId xmlns:p14="http://schemas.microsoft.com/office/powerpoint/2010/main" val="2330143673"/>
+        <p14:creationId xmlns:p14="http://schemas.microsoft.com/office/powerpoint/2010/main" val="858643011"/>
       </p:ext>
     </p:extLst>
   </p:cSld>
@@ -4457,7 +4385,7 @@
           <a:lstStyle/>
           <a:p>
             <a:r>
-              <a:rPr lang="en-US" altLang="ko-KR" sz="1200" b="0" i="0" kern="1200" dirty="0" smtClean="0">
+              <a:rPr lang="ko-KR" altLang="en-US" sz="1200" b="0" i="0" kern="1200" dirty="0" err="1" smtClean="0">
                 <a:solidFill>
                   <a:schemeClr val="tx1"/>
                 </a:solidFill>
@@ -4466,7 +4394,79 @@
                 <a:ea typeface="+mn-ea"/>
                 <a:cs typeface="+mn-cs"/>
               </a:rPr>
+              <a:t>데이터셋은</a:t>
+            </a:r>
+            <a:r>
+              <a:rPr lang="ko-KR" altLang="en-US" sz="1200" b="0" i="0" kern="1200" dirty="0" smtClean="0">
+                <a:solidFill>
+                  <a:schemeClr val="tx1"/>
+                </a:solidFill>
+                <a:effectLst/>
+                <a:latin typeface="+mn-lt"/>
+                <a:ea typeface="+mn-ea"/>
+                <a:cs typeface="+mn-cs"/>
+              </a:rPr>
               <a:t> </a:t>
+            </a:r>
+            <a:r>
+              <a:rPr lang="ko-KR" altLang="en-US" sz="1200" b="0" i="0" kern="1200" dirty="0" err="1" smtClean="0">
+                <a:solidFill>
+                  <a:schemeClr val="tx1"/>
+                </a:solidFill>
+                <a:effectLst/>
+                <a:latin typeface="+mn-lt"/>
+                <a:ea typeface="+mn-ea"/>
+                <a:cs typeface="+mn-cs"/>
+              </a:rPr>
+              <a:t>스팸</a:t>
+            </a:r>
+            <a:r>
+              <a:rPr lang="ko-KR" altLang="en-US" sz="1200" b="0" i="0" kern="1200" dirty="0" smtClean="0">
+                <a:solidFill>
+                  <a:schemeClr val="tx1"/>
+                </a:solidFill>
+                <a:effectLst/>
+                <a:latin typeface="+mn-lt"/>
+                <a:ea typeface="+mn-ea"/>
+                <a:cs typeface="+mn-cs"/>
+              </a:rPr>
+              <a:t> 메일 분류하기 </a:t>
+            </a:r>
+            <a:r>
+              <a:rPr lang="ko-KR" altLang="en-US" sz="1200" b="0" i="0" kern="1200" dirty="0" err="1" smtClean="0">
+                <a:solidFill>
+                  <a:schemeClr val="tx1"/>
+                </a:solidFill>
+                <a:effectLst/>
+                <a:latin typeface="+mn-lt"/>
+                <a:ea typeface="+mn-ea"/>
+                <a:cs typeface="+mn-cs"/>
+              </a:rPr>
+              <a:t>챕터</a:t>
+            </a:r>
+            <a:r>
+              <a:rPr lang="ko-KR" altLang="en-US" sz="1200" b="0" i="0" kern="1200" dirty="0" smtClean="0">
+                <a:solidFill>
+                  <a:schemeClr val="tx1"/>
+                </a:solidFill>
+                <a:effectLst/>
+                <a:latin typeface="+mn-lt"/>
+                <a:ea typeface="+mn-ea"/>
+                <a:cs typeface="+mn-cs"/>
+              </a:rPr>
+              <a:t> </a:t>
+            </a:r>
+            <a:r>
+              <a:rPr lang="en-US" altLang="ko-KR" sz="1200" b="0" i="0" kern="1200" dirty="0" smtClean="0">
+                <a:solidFill>
+                  <a:schemeClr val="tx1"/>
+                </a:solidFill>
+                <a:effectLst/>
+                <a:latin typeface="+mn-lt"/>
+                <a:ea typeface="+mn-ea"/>
+                <a:cs typeface="+mn-cs"/>
+              </a:rPr>
+              <a:t>- https://www.kaggle.com/uciml/sms-spam-collection-dataset</a:t>
             </a:r>
             <a:endParaRPr lang="ko-KR" altLang="en-US" dirty="0"/>
           </a:p>
@@ -4489,7 +4489,7 @@
           <a:p>
             <a:fld id="{55970385-2E09-49C8-A7F3-8D99E70111CF}" type="slidenum">
               <a:rPr lang="ko-KR" altLang="en-US" smtClean="0"/>
-              <a:t>96</a:t>
+              <a:t>94</a:t>
             </a:fld>
             <a:endParaRPr lang="ko-KR" altLang="en-US"/>
           </a:p>
@@ -4498,7 +4498,7 @@
     </p:spTree>
     <p:extLst>
       <p:ext uri="{BB962C8B-B14F-4D97-AF65-F5344CB8AC3E}">
-        <p14:creationId xmlns:p14="http://schemas.microsoft.com/office/powerpoint/2010/main" val="3625928845"/>
+        <p14:creationId xmlns:p14="http://schemas.microsoft.com/office/powerpoint/2010/main" val="3959723346"/>
       </p:ext>
     </p:extLst>
   </p:cSld>
@@ -4553,7 +4553,7 @@
           <a:lstStyle/>
           <a:p>
             <a:r>
-              <a:rPr lang="en-US" altLang="ko-KR" sz="1200" b="0" i="0" kern="1200" smtClean="0">
+              <a:rPr lang="en-US" altLang="ko-KR" sz="1200" b="0" i="0" kern="1200" dirty="0" smtClean="0">
                 <a:solidFill>
                   <a:schemeClr val="tx1"/>
                 </a:solidFill>
@@ -4585,7 +4585,7 @@
           <a:p>
             <a:fld id="{55970385-2E09-49C8-A7F3-8D99E70111CF}" type="slidenum">
               <a:rPr lang="ko-KR" altLang="en-US" smtClean="0"/>
-              <a:t>97</a:t>
+              <a:t>95</a:t>
             </a:fld>
             <a:endParaRPr lang="ko-KR" altLang="en-US"/>
           </a:p>
@@ -4594,7 +4594,7 @@
     </p:spTree>
     <p:extLst>
       <p:ext uri="{BB962C8B-B14F-4D97-AF65-F5344CB8AC3E}">
-        <p14:creationId xmlns:p14="http://schemas.microsoft.com/office/powerpoint/2010/main" val="3324094733"/>
+        <p14:creationId xmlns:p14="http://schemas.microsoft.com/office/powerpoint/2010/main" val="2330143673"/>
       </p:ext>
     </p:extLst>
   </p:cSld>
@@ -4649,7 +4649,7 @@
           <a:lstStyle/>
           <a:p>
             <a:r>
-              <a:rPr lang="en-US" altLang="ko-KR" sz="1200" b="0" i="0" kern="1200" smtClean="0">
+              <a:rPr lang="en-US" altLang="ko-KR" sz="1200" b="0" i="0" kern="1200" dirty="0" smtClean="0">
                 <a:solidFill>
                   <a:schemeClr val="tx1"/>
                 </a:solidFill>
@@ -4681,7 +4681,7 @@
           <a:p>
             <a:fld id="{55970385-2E09-49C8-A7F3-8D99E70111CF}" type="slidenum">
               <a:rPr lang="ko-KR" altLang="en-US" smtClean="0"/>
-              <a:t>98</a:t>
+              <a:t>96</a:t>
             </a:fld>
             <a:endParaRPr lang="ko-KR" altLang="en-US"/>
           </a:p>
@@ -4690,7 +4690,7 @@
     </p:spTree>
     <p:extLst>
       <p:ext uri="{BB962C8B-B14F-4D97-AF65-F5344CB8AC3E}">
-        <p14:creationId xmlns:p14="http://schemas.microsoft.com/office/powerpoint/2010/main" val="2476301111"/>
+        <p14:creationId xmlns:p14="http://schemas.microsoft.com/office/powerpoint/2010/main" val="3625928845"/>
       </p:ext>
     </p:extLst>
   </p:cSld>
@@ -4777,7 +4777,7 @@
           <a:p>
             <a:fld id="{55970385-2E09-49C8-A7F3-8D99E70111CF}" type="slidenum">
               <a:rPr lang="ko-KR" altLang="en-US" smtClean="0"/>
-              <a:t>99</a:t>
+              <a:t>97</a:t>
             </a:fld>
             <a:endParaRPr lang="ko-KR" altLang="en-US"/>
           </a:p>
@@ -4786,7 +4786,7 @@
     </p:spTree>
     <p:extLst>
       <p:ext uri="{BB962C8B-B14F-4D97-AF65-F5344CB8AC3E}">
-        <p14:creationId xmlns:p14="http://schemas.microsoft.com/office/powerpoint/2010/main" val="656666430"/>
+        <p14:creationId xmlns:p14="http://schemas.microsoft.com/office/powerpoint/2010/main" val="3324094733"/>
       </p:ext>
     </p:extLst>
   </p:cSld>
@@ -4873,7 +4873,7 @@
           <a:p>
             <a:fld id="{55970385-2E09-49C8-A7F3-8D99E70111CF}" type="slidenum">
               <a:rPr lang="ko-KR" altLang="en-US" smtClean="0"/>
-              <a:t>100</a:t>
+              <a:t>98</a:t>
             </a:fld>
             <a:endParaRPr lang="ko-KR" altLang="en-US"/>
           </a:p>
@@ -4882,7 +4882,7 @@
     </p:spTree>
     <p:extLst>
       <p:ext uri="{BB962C8B-B14F-4D97-AF65-F5344CB8AC3E}">
-        <p14:creationId xmlns:p14="http://schemas.microsoft.com/office/powerpoint/2010/main" val="3277507083"/>
+        <p14:creationId xmlns:p14="http://schemas.microsoft.com/office/powerpoint/2010/main" val="2476301111"/>
       </p:ext>
     </p:extLst>
   </p:cSld>
@@ -4969,7 +4969,7 @@
           <a:p>
             <a:fld id="{55970385-2E09-49C8-A7F3-8D99E70111CF}" type="slidenum">
               <a:rPr lang="ko-KR" altLang="en-US" smtClean="0"/>
-              <a:t>101</a:t>
+              <a:t>99</a:t>
             </a:fld>
             <a:endParaRPr lang="ko-KR" altLang="en-US"/>
           </a:p>
@@ -4978,7 +4978,7 @@
     </p:spTree>
     <p:extLst>
       <p:ext uri="{BB962C8B-B14F-4D97-AF65-F5344CB8AC3E}">
-        <p14:creationId xmlns:p14="http://schemas.microsoft.com/office/powerpoint/2010/main" val="3303813352"/>
+        <p14:creationId xmlns:p14="http://schemas.microsoft.com/office/powerpoint/2010/main" val="656666430"/>
       </p:ext>
     </p:extLst>
   </p:cSld>
@@ -5033,16 +5033,39 @@
           <a:lstStyle/>
           <a:p>
             <a:r>
-              <a:rPr lang="en-US" altLang="ko-KR" sz="1200" b="0" i="0" kern="1200" dirty="0" smtClean="0">
-                <a:solidFill>
-                  <a:schemeClr val="tx1"/>
-                </a:solidFill>
-                <a:effectLst/>
-                <a:latin typeface="+mn-lt"/>
-                <a:ea typeface="+mn-ea"/>
-                <a:cs typeface="+mn-cs"/>
-              </a:rPr>
+              <a:rPr lang="en-US" altLang="ko-KR" dirty="0" smtClean="0"/>
+              <a:t>Boston:</a:t>
+            </a:r>
+            <a:r>
+              <a:rPr lang="en-US" altLang="ko-KR" baseline="0" dirty="0" smtClean="0"/>
               <a:t> </a:t>
+            </a:r>
+            <a:r>
+              <a:rPr lang="en-US" altLang="ko-KR" dirty="0" smtClean="0"/>
+              <a:t>Boston</a:t>
+            </a:r>
+            <a:r>
+              <a:rPr lang="en-US" altLang="ko-KR" baseline="0" dirty="0" smtClean="0"/>
+              <a:t> </a:t>
+            </a:r>
+            <a:r>
+              <a:rPr lang="ko-KR" altLang="en-US" baseline="0" dirty="0" smtClean="0"/>
+              <a:t>집값에 영향을 주는 </a:t>
+            </a:r>
+            <a:r>
+              <a:rPr lang="ko-KR" altLang="en-US" baseline="0" dirty="0" err="1" smtClean="0"/>
+              <a:t>여러가지</a:t>
+            </a:r>
+            <a:r>
+              <a:rPr lang="ko-KR" altLang="en-US" baseline="0" dirty="0" smtClean="0"/>
+              <a:t> 특성들을 밝혀내기 위한 데이터 셋</a:t>
+            </a:r>
+            <a:endParaRPr lang="en-US" altLang="ko-KR" baseline="0" dirty="0" smtClean="0"/>
+          </a:p>
+          <a:p>
+            <a:r>
+              <a:rPr lang="en-US" altLang="ko-KR" baseline="0" dirty="0" smtClean="0"/>
+              <a:t>Digits : </a:t>
             </a:r>
             <a:endParaRPr lang="ko-KR" altLang="en-US" dirty="0"/>
           </a:p>
@@ -5065,7 +5088,7 @@
           <a:p>
             <a:fld id="{55970385-2E09-49C8-A7F3-8D99E70111CF}" type="slidenum">
               <a:rPr lang="ko-KR" altLang="en-US" smtClean="0"/>
-              <a:t>50</a:t>
+              <a:t>23</a:t>
             </a:fld>
             <a:endParaRPr lang="ko-KR" altLang="en-US"/>
           </a:p>
@@ -5074,7 +5097,7 @@
     </p:spTree>
     <p:extLst>
       <p:ext uri="{BB962C8B-B14F-4D97-AF65-F5344CB8AC3E}">
-        <p14:creationId xmlns:p14="http://schemas.microsoft.com/office/powerpoint/2010/main" val="3313188529"/>
+        <p14:creationId xmlns:p14="http://schemas.microsoft.com/office/powerpoint/2010/main" val="3997479068"/>
       </p:ext>
     </p:extLst>
   </p:cSld>
@@ -5161,7 +5184,7 @@
           <a:p>
             <a:fld id="{55970385-2E09-49C8-A7F3-8D99E70111CF}" type="slidenum">
               <a:rPr lang="ko-KR" altLang="en-US" smtClean="0"/>
-              <a:t>102</a:t>
+              <a:t>100</a:t>
             </a:fld>
             <a:endParaRPr lang="ko-KR" altLang="en-US"/>
           </a:p>
@@ -5170,7 +5193,7 @@
     </p:spTree>
     <p:extLst>
       <p:ext uri="{BB962C8B-B14F-4D97-AF65-F5344CB8AC3E}">
-        <p14:creationId xmlns:p14="http://schemas.microsoft.com/office/powerpoint/2010/main" val="3132268091"/>
+        <p14:creationId xmlns:p14="http://schemas.microsoft.com/office/powerpoint/2010/main" val="3277507083"/>
       </p:ext>
     </p:extLst>
   </p:cSld>
@@ -5257,6 +5280,198 @@
           <a:p>
             <a:fld id="{55970385-2E09-49C8-A7F3-8D99E70111CF}" type="slidenum">
               <a:rPr lang="ko-KR" altLang="en-US" smtClean="0"/>
+              <a:t>101</a:t>
+            </a:fld>
+            <a:endParaRPr lang="ko-KR" altLang="en-US"/>
+          </a:p>
+        </p:txBody>
+      </p:sp>
+    </p:spTree>
+    <p:extLst>
+      <p:ext uri="{BB962C8B-B14F-4D97-AF65-F5344CB8AC3E}">
+        <p14:creationId xmlns:p14="http://schemas.microsoft.com/office/powerpoint/2010/main" val="3303813352"/>
+      </p:ext>
+    </p:extLst>
+  </p:cSld>
+  <p:clrMapOvr>
+    <a:masterClrMapping/>
+  </p:clrMapOvr>
+</p:notes>
+</file>
+
+<file path=ppt/notesSlides/notesSlide52.xml><?xml version="1.0" encoding="utf-8"?>
+<p:notes xmlns:a="http://schemas.openxmlformats.org/drawingml/2006/main" xmlns:r="http://schemas.openxmlformats.org/officeDocument/2006/relationships" xmlns:p="http://schemas.openxmlformats.org/presentationml/2006/main">
+  <p:cSld>
+    <p:spTree>
+      <p:nvGrpSpPr>
+        <p:cNvPr id="1" name=""/>
+        <p:cNvGrpSpPr/>
+        <p:nvPr/>
+      </p:nvGrpSpPr>
+      <p:grpSpPr>
+        <a:xfrm>
+          <a:off x="0" y="0"/>
+          <a:ext cx="0" cy="0"/>
+          <a:chOff x="0" y="0"/>
+          <a:chExt cx="0" cy="0"/>
+        </a:xfrm>
+      </p:grpSpPr>
+      <p:sp>
+        <p:nvSpPr>
+          <p:cNvPr id="2" name="슬라이드 이미지 개체 틀 1"/>
+          <p:cNvSpPr>
+            <a:spLocks noGrp="1" noRot="1" noChangeAspect="1"/>
+          </p:cNvSpPr>
+          <p:nvPr>
+            <p:ph type="sldImg"/>
+          </p:nvPr>
+        </p:nvSpPr>
+        <p:spPr/>
+      </p:sp>
+      <p:sp>
+        <p:nvSpPr>
+          <p:cNvPr id="3" name="슬라이드 노트 개체 틀 2"/>
+          <p:cNvSpPr>
+            <a:spLocks noGrp="1"/>
+          </p:cNvSpPr>
+          <p:nvPr>
+            <p:ph type="body" idx="1"/>
+          </p:nvPr>
+        </p:nvSpPr>
+        <p:spPr/>
+        <p:txBody>
+          <a:bodyPr/>
+          <a:lstStyle/>
+          <a:p>
+            <a:r>
+              <a:rPr lang="en-US" altLang="ko-KR" sz="1200" b="0" i="0" kern="1200" smtClean="0">
+                <a:solidFill>
+                  <a:schemeClr val="tx1"/>
+                </a:solidFill>
+                <a:effectLst/>
+                <a:latin typeface="+mn-lt"/>
+                <a:ea typeface="+mn-ea"/>
+                <a:cs typeface="+mn-cs"/>
+              </a:rPr>
+              <a:t> </a:t>
+            </a:r>
+            <a:endParaRPr lang="ko-KR" altLang="en-US" dirty="0"/>
+          </a:p>
+        </p:txBody>
+      </p:sp>
+      <p:sp>
+        <p:nvSpPr>
+          <p:cNvPr id="4" name="슬라이드 번호 개체 틀 3"/>
+          <p:cNvSpPr>
+            <a:spLocks noGrp="1"/>
+          </p:cNvSpPr>
+          <p:nvPr>
+            <p:ph type="sldNum" sz="quarter" idx="10"/>
+          </p:nvPr>
+        </p:nvSpPr>
+        <p:spPr/>
+        <p:txBody>
+          <a:bodyPr/>
+          <a:lstStyle/>
+          <a:p>
+            <a:fld id="{55970385-2E09-49C8-A7F3-8D99E70111CF}" type="slidenum">
+              <a:rPr lang="ko-KR" altLang="en-US" smtClean="0"/>
+              <a:t>102</a:t>
+            </a:fld>
+            <a:endParaRPr lang="ko-KR" altLang="en-US"/>
+          </a:p>
+        </p:txBody>
+      </p:sp>
+    </p:spTree>
+    <p:extLst>
+      <p:ext uri="{BB962C8B-B14F-4D97-AF65-F5344CB8AC3E}">
+        <p14:creationId xmlns:p14="http://schemas.microsoft.com/office/powerpoint/2010/main" val="3132268091"/>
+      </p:ext>
+    </p:extLst>
+  </p:cSld>
+  <p:clrMapOvr>
+    <a:masterClrMapping/>
+  </p:clrMapOvr>
+</p:notes>
+</file>
+
+<file path=ppt/notesSlides/notesSlide53.xml><?xml version="1.0" encoding="utf-8"?>
+<p:notes xmlns:a="http://schemas.openxmlformats.org/drawingml/2006/main" xmlns:r="http://schemas.openxmlformats.org/officeDocument/2006/relationships" xmlns:p="http://schemas.openxmlformats.org/presentationml/2006/main">
+  <p:cSld>
+    <p:spTree>
+      <p:nvGrpSpPr>
+        <p:cNvPr id="1" name=""/>
+        <p:cNvGrpSpPr/>
+        <p:nvPr/>
+      </p:nvGrpSpPr>
+      <p:grpSpPr>
+        <a:xfrm>
+          <a:off x="0" y="0"/>
+          <a:ext cx="0" cy="0"/>
+          <a:chOff x="0" y="0"/>
+          <a:chExt cx="0" cy="0"/>
+        </a:xfrm>
+      </p:grpSpPr>
+      <p:sp>
+        <p:nvSpPr>
+          <p:cNvPr id="2" name="슬라이드 이미지 개체 틀 1"/>
+          <p:cNvSpPr>
+            <a:spLocks noGrp="1" noRot="1" noChangeAspect="1"/>
+          </p:cNvSpPr>
+          <p:nvPr>
+            <p:ph type="sldImg"/>
+          </p:nvPr>
+        </p:nvSpPr>
+        <p:spPr/>
+      </p:sp>
+      <p:sp>
+        <p:nvSpPr>
+          <p:cNvPr id="3" name="슬라이드 노트 개체 틀 2"/>
+          <p:cNvSpPr>
+            <a:spLocks noGrp="1"/>
+          </p:cNvSpPr>
+          <p:nvPr>
+            <p:ph type="body" idx="1"/>
+          </p:nvPr>
+        </p:nvSpPr>
+        <p:spPr/>
+        <p:txBody>
+          <a:bodyPr/>
+          <a:lstStyle/>
+          <a:p>
+            <a:r>
+              <a:rPr lang="en-US" altLang="ko-KR" sz="1200" b="0" i="0" kern="1200" smtClean="0">
+                <a:solidFill>
+                  <a:schemeClr val="tx1"/>
+                </a:solidFill>
+                <a:effectLst/>
+                <a:latin typeface="+mn-lt"/>
+                <a:ea typeface="+mn-ea"/>
+                <a:cs typeface="+mn-cs"/>
+              </a:rPr>
+              <a:t> </a:t>
+            </a:r>
+            <a:endParaRPr lang="ko-KR" altLang="en-US" dirty="0"/>
+          </a:p>
+        </p:txBody>
+      </p:sp>
+      <p:sp>
+        <p:nvSpPr>
+          <p:cNvPr id="4" name="슬라이드 번호 개체 틀 3"/>
+          <p:cNvSpPr>
+            <a:spLocks noGrp="1"/>
+          </p:cNvSpPr>
+          <p:nvPr>
+            <p:ph type="sldNum" sz="quarter" idx="10"/>
+          </p:nvPr>
+        </p:nvSpPr>
+        <p:spPr/>
+        <p:txBody>
+          <a:bodyPr/>
+          <a:lstStyle/>
+          <a:p>
+            <a:fld id="{55970385-2E09-49C8-A7F3-8D99E70111CF}" type="slidenum">
+              <a:rPr lang="ko-KR" altLang="en-US" smtClean="0"/>
               <a:t>103</a:t>
             </a:fld>
             <a:endParaRPr lang="ko-KR" altLang="en-US"/>
@@ -5276,7 +5491,7 @@
 </p:notes>
 </file>
 
-<file path=ppt/notesSlides/notesSlide52.xml><?xml version="1.0" encoding="utf-8"?>
+<file path=ppt/notesSlides/notesSlide54.xml><?xml version="1.0" encoding="utf-8"?>
 <p:notes xmlns:a="http://schemas.openxmlformats.org/drawingml/2006/main" xmlns:r="http://schemas.openxmlformats.org/officeDocument/2006/relationships" xmlns:p="http://schemas.openxmlformats.org/presentationml/2006/main">
   <p:cSld>
     <p:spTree>
@@ -5417,16 +5632,20 @@
           <a:lstStyle/>
           <a:p>
             <a:r>
-              <a:rPr lang="en-US" altLang="ko-KR" sz="1200" b="0" i="0" kern="1200" dirty="0" smtClean="0">
-                <a:solidFill>
-                  <a:schemeClr val="tx1"/>
-                </a:solidFill>
-                <a:effectLst/>
-                <a:latin typeface="+mn-lt"/>
-                <a:ea typeface="+mn-ea"/>
-                <a:cs typeface="+mn-cs"/>
-              </a:rPr>
-              <a:t> </a:t>
+              <a:rPr lang="en-US" altLang="ko-KR" dirty="0" err="1" smtClean="0"/>
+              <a:t>make_circles</a:t>
+            </a:r>
+            <a:r>
+              <a:rPr lang="en-US" altLang="ko-KR" baseline="0" dirty="0" smtClean="0"/>
+              <a:t>() </a:t>
+            </a:r>
+            <a:r>
+              <a:rPr lang="ko-KR" altLang="en-US" baseline="0" dirty="0" smtClean="0"/>
+              <a:t>추가</a:t>
+            </a:r>
+            <a:r>
+              <a:rPr lang="en-US" altLang="ko-KR" baseline="0" dirty="0" smtClean="0"/>
+              <a:t> 	</a:t>
             </a:r>
             <a:endParaRPr lang="ko-KR" altLang="en-US" dirty="0"/>
           </a:p>
@@ -5449,7 +5668,7 @@
           <a:p>
             <a:fld id="{55970385-2E09-49C8-A7F3-8D99E70111CF}" type="slidenum">
               <a:rPr lang="ko-KR" altLang="en-US" smtClean="0"/>
-              <a:t>51</a:t>
+              <a:t>24</a:t>
             </a:fld>
             <a:endParaRPr lang="ko-KR" altLang="en-US"/>
           </a:p>
@@ -5458,7 +5677,7 @@
     </p:spTree>
     <p:extLst>
       <p:ext uri="{BB962C8B-B14F-4D97-AF65-F5344CB8AC3E}">
-        <p14:creationId xmlns:p14="http://schemas.microsoft.com/office/powerpoint/2010/main" val="3319231801"/>
+        <p14:creationId xmlns:p14="http://schemas.microsoft.com/office/powerpoint/2010/main" val="2705389011"/>
       </p:ext>
     </p:extLst>
   </p:cSld>
@@ -5545,7 +5764,7 @@
           <a:p>
             <a:fld id="{55970385-2E09-49C8-A7F3-8D99E70111CF}" type="slidenum">
               <a:rPr lang="ko-KR" altLang="en-US" smtClean="0"/>
-              <a:t>52</a:t>
+              <a:t>50</a:t>
             </a:fld>
             <a:endParaRPr lang="ko-KR" altLang="en-US"/>
           </a:p>
@@ -5554,7 +5773,7 @@
     </p:spTree>
     <p:extLst>
       <p:ext uri="{BB962C8B-B14F-4D97-AF65-F5344CB8AC3E}">
-        <p14:creationId xmlns:p14="http://schemas.microsoft.com/office/powerpoint/2010/main" val="4084932858"/>
+        <p14:creationId xmlns:p14="http://schemas.microsoft.com/office/powerpoint/2010/main" val="3313188529"/>
       </p:ext>
     </p:extLst>
   </p:cSld>
@@ -5641,7 +5860,7 @@
           <a:p>
             <a:fld id="{55970385-2E09-49C8-A7F3-8D99E70111CF}" type="slidenum">
               <a:rPr lang="ko-KR" altLang="en-US" smtClean="0"/>
-              <a:t>53</a:t>
+              <a:t>51</a:t>
             </a:fld>
             <a:endParaRPr lang="ko-KR" altLang="en-US"/>
           </a:p>
@@ -5650,7 +5869,7 @@
     </p:spTree>
     <p:extLst>
       <p:ext uri="{BB962C8B-B14F-4D97-AF65-F5344CB8AC3E}">
-        <p14:creationId xmlns:p14="http://schemas.microsoft.com/office/powerpoint/2010/main" val="1421290711"/>
+        <p14:creationId xmlns:p14="http://schemas.microsoft.com/office/powerpoint/2010/main" val="3319231801"/>
       </p:ext>
     </p:extLst>
   </p:cSld>
@@ -5737,7 +5956,7 @@
           <a:p>
             <a:fld id="{55970385-2E09-49C8-A7F3-8D99E70111CF}" type="slidenum">
               <a:rPr lang="ko-KR" altLang="en-US" smtClean="0"/>
-              <a:t>54</a:t>
+              <a:t>52</a:t>
             </a:fld>
             <a:endParaRPr lang="ko-KR" altLang="en-US"/>
           </a:p>
@@ -5746,7 +5965,7 @@
     </p:spTree>
     <p:extLst>
       <p:ext uri="{BB962C8B-B14F-4D97-AF65-F5344CB8AC3E}">
-        <p14:creationId xmlns:p14="http://schemas.microsoft.com/office/powerpoint/2010/main" val="2308505663"/>
+        <p14:creationId xmlns:p14="http://schemas.microsoft.com/office/powerpoint/2010/main" val="4084932858"/>
       </p:ext>
     </p:extLst>
   </p:cSld>
@@ -5887,7 +6106,7 @@
           <a:p>
             <a:fld id="{C7B9D9A5-11FE-4B5B-8B93-C2200679462D}" type="datetimeFigureOut">
               <a:rPr lang="ko-KR" altLang="en-US" smtClean="0"/>
-              <a:t>2020-02-24</a:t>
+              <a:t>2020-03-09</a:t>
             </a:fld>
             <a:endParaRPr lang="ko-KR" altLang="en-US"/>
           </a:p>
@@ -6057,7 +6276,7 @@
           <a:p>
             <a:fld id="{C7B9D9A5-11FE-4B5B-8B93-C2200679462D}" type="datetimeFigureOut">
               <a:rPr lang="ko-KR" altLang="en-US" smtClean="0"/>
-              <a:t>2020-02-24</a:t>
+              <a:t>2020-03-09</a:t>
             </a:fld>
             <a:endParaRPr lang="ko-KR" altLang="en-US"/>
           </a:p>
@@ -6237,7 +6456,7 @@
           <a:p>
             <a:fld id="{C7B9D9A5-11FE-4B5B-8B93-C2200679462D}" type="datetimeFigureOut">
               <a:rPr lang="ko-KR" altLang="en-US" smtClean="0"/>
-              <a:t>2020-02-24</a:t>
+              <a:t>2020-03-09</a:t>
             </a:fld>
             <a:endParaRPr lang="ko-KR" altLang="en-US"/>
           </a:p>
@@ -6407,7 +6626,7 @@
           <a:p>
             <a:fld id="{C7B9D9A5-11FE-4B5B-8B93-C2200679462D}" type="datetimeFigureOut">
               <a:rPr lang="ko-KR" altLang="en-US" smtClean="0"/>
-              <a:t>2020-02-24</a:t>
+              <a:t>2020-03-09</a:t>
             </a:fld>
             <a:endParaRPr lang="ko-KR" altLang="en-US"/>
           </a:p>
@@ -6653,7 +6872,7 @@
           <a:p>
             <a:fld id="{C7B9D9A5-11FE-4B5B-8B93-C2200679462D}" type="datetimeFigureOut">
               <a:rPr lang="ko-KR" altLang="en-US" smtClean="0"/>
-              <a:t>2020-02-24</a:t>
+              <a:t>2020-03-09</a:t>
             </a:fld>
             <a:endParaRPr lang="ko-KR" altLang="en-US"/>
           </a:p>
@@ -6885,7 +7104,7 @@
           <a:p>
             <a:fld id="{C7B9D9A5-11FE-4B5B-8B93-C2200679462D}" type="datetimeFigureOut">
               <a:rPr lang="ko-KR" altLang="en-US" smtClean="0"/>
-              <a:t>2020-02-24</a:t>
+              <a:t>2020-03-09</a:t>
             </a:fld>
             <a:endParaRPr lang="ko-KR" altLang="en-US"/>
           </a:p>
@@ -7252,7 +7471,7 @@
           <a:p>
             <a:fld id="{C7B9D9A5-11FE-4B5B-8B93-C2200679462D}" type="datetimeFigureOut">
               <a:rPr lang="ko-KR" altLang="en-US" smtClean="0"/>
-              <a:t>2020-02-24</a:t>
+              <a:t>2020-03-09</a:t>
             </a:fld>
             <a:endParaRPr lang="ko-KR" altLang="en-US"/>
           </a:p>
@@ -7370,7 +7589,7 @@
           <a:p>
             <a:fld id="{C7B9D9A5-11FE-4B5B-8B93-C2200679462D}" type="datetimeFigureOut">
               <a:rPr lang="ko-KR" altLang="en-US" smtClean="0"/>
-              <a:t>2020-02-24</a:t>
+              <a:t>2020-03-09</a:t>
             </a:fld>
             <a:endParaRPr lang="ko-KR" altLang="en-US"/>
           </a:p>
@@ -7465,7 +7684,7 @@
           <a:p>
             <a:fld id="{C7B9D9A5-11FE-4B5B-8B93-C2200679462D}" type="datetimeFigureOut">
               <a:rPr lang="ko-KR" altLang="en-US" smtClean="0"/>
-              <a:t>2020-02-24</a:t>
+              <a:t>2020-03-09</a:t>
             </a:fld>
             <a:endParaRPr lang="ko-KR" altLang="en-US"/>
           </a:p>
@@ -7742,7 +7961,7 @@
           <a:p>
             <a:fld id="{C7B9D9A5-11FE-4B5B-8B93-C2200679462D}" type="datetimeFigureOut">
               <a:rPr lang="ko-KR" altLang="en-US" smtClean="0"/>
-              <a:t>2020-02-24</a:t>
+              <a:t>2020-03-09</a:t>
             </a:fld>
             <a:endParaRPr lang="ko-KR" altLang="en-US"/>
           </a:p>
@@ -7995,7 +8214,7 @@
           <a:p>
             <a:fld id="{C7B9D9A5-11FE-4B5B-8B93-C2200679462D}" type="datetimeFigureOut">
               <a:rPr lang="ko-KR" altLang="en-US" smtClean="0"/>
-              <a:t>2020-02-24</a:t>
+              <a:t>2020-03-09</a:t>
             </a:fld>
             <a:endParaRPr lang="ko-KR" altLang="en-US"/>
           </a:p>
@@ -8208,7 +8427,7 @@
           <a:p>
             <a:fld id="{C7B9D9A5-11FE-4B5B-8B93-C2200679462D}" type="datetimeFigureOut">
               <a:rPr lang="ko-KR" altLang="en-US" smtClean="0"/>
-              <a:t>2020-02-24</a:t>
+              <a:t>2020-03-09</a:t>
             </a:fld>
             <a:endParaRPr lang="ko-KR" altLang="en-US"/>
           </a:p>
@@ -17222,7 +17441,7 @@
         </p:nvSpPr>
         <p:spPr>
           <a:xfrm>
-            <a:off x="451719" y="1097004"/>
+            <a:off x="451719" y="944605"/>
             <a:ext cx="11008098" cy="4351338"/>
           </a:xfrm>
         </p:spPr>
@@ -17245,7 +17464,7 @@
           <a:p>
             <a:pPr lvl="1"/>
             <a:r>
-              <a:rPr lang="en-US" altLang="ko-KR" sz="1600" dirty="0" err="1"/>
+              <a:rPr lang="en-US" altLang="ko-KR" sz="1600" b="1" dirty="0" err="1"/>
               <a:t>make_regression</a:t>
             </a:r>
             <a:r>
@@ -17260,7 +17479,7 @@
           <a:p>
             <a:pPr lvl="1"/>
             <a:r>
-              <a:rPr lang="en-US" altLang="ko-KR" sz="1600" dirty="0" err="1"/>
+              <a:rPr lang="en-US" altLang="ko-KR" sz="1600" b="1" dirty="0" err="1"/>
               <a:t>make_classification</a:t>
             </a:r>
             <a:r>
@@ -17288,7 +17507,7 @@
           <a:p>
             <a:pPr lvl="1"/>
             <a:r>
-              <a:rPr lang="en-US" altLang="ko-KR" sz="1600" dirty="0" err="1"/>
+              <a:rPr lang="en-US" altLang="ko-KR" sz="1600" b="1" dirty="0" err="1"/>
               <a:t>make_blobs</a:t>
             </a:r>
             <a:r>
@@ -17305,9 +17524,89 @@
             </a:r>
             <a:r>
               <a:rPr lang="ko-KR" altLang="en-US" sz="1600" dirty="0"/>
+              <a:t> </a:t>
+            </a:r>
+            <a:r>
+              <a:rPr lang="ko-KR" altLang="en-US" sz="1600" dirty="0" smtClean="0"/>
+              <a:t>생성</a:t>
+            </a:r>
+            <a:endParaRPr lang="en-US" altLang="ko-KR" sz="1600" dirty="0" smtClean="0"/>
+          </a:p>
+          <a:p>
+            <a:pPr lvl="1"/>
+            <a:r>
+              <a:rPr lang="en-US" altLang="ko-KR" sz="1600" b="1" dirty="0" err="1" smtClean="0"/>
+              <a:t>make_circles</a:t>
+            </a:r>
+            <a:r>
+              <a:rPr lang="en-US" altLang="ko-KR" sz="1600" b="1" dirty="0" smtClean="0"/>
+              <a:t>()</a:t>
+            </a:r>
+            <a:r>
+              <a:rPr lang="en-US" altLang="ko-KR" sz="1600" dirty="0" smtClean="0"/>
+              <a:t> – </a:t>
+            </a:r>
+            <a:r>
+              <a:rPr lang="ko-KR" altLang="en-US" sz="1600" dirty="0" err="1" smtClean="0"/>
+              <a:t>두개의</a:t>
+            </a:r>
+            <a:r>
+              <a:rPr lang="ko-KR" altLang="en-US" sz="1600" dirty="0" smtClean="0"/>
+              <a:t> 차원에 작은 원을 포함하는 큰 원이 포함된 임의의 </a:t>
+            </a:r>
+            <a:r>
+              <a:rPr lang="ko-KR" altLang="en-US" sz="1600" dirty="0" err="1" smtClean="0"/>
+              <a:t>데이터셋을</a:t>
+            </a:r>
+            <a:r>
+              <a:rPr lang="ko-KR" altLang="en-US" sz="1600" dirty="0" smtClean="0"/>
               <a:t> 생성</a:t>
             </a:r>
-            <a:endParaRPr lang="en-US" altLang="ko-KR" sz="1600" dirty="0"/>
+            <a:r>
+              <a:rPr lang="en-US" altLang="ko-KR" sz="1600" dirty="0" smtClean="0"/>
+              <a:t>, SVM</a:t>
+            </a:r>
+            <a:r>
+              <a:rPr lang="ko-KR" altLang="en-US" sz="1600" dirty="0" smtClean="0"/>
+              <a:t>과</a:t>
+            </a:r>
+            <a:r>
+              <a:rPr lang="en-US" altLang="ko-KR" sz="1600" dirty="0" smtClean="0"/>
+              <a:t> </a:t>
+            </a:r>
+            <a:r>
+              <a:rPr lang="ko-KR" altLang="en-US" sz="1600" dirty="0" smtClean="0"/>
+              <a:t>같은 </a:t>
+            </a:r>
+            <a:endParaRPr lang="en-US" altLang="ko-KR" sz="1600" dirty="0" smtClean="0"/>
+          </a:p>
+          <a:p>
+            <a:pPr marL="457200" lvl="1" indent="0">
+              <a:buNone/>
+            </a:pPr>
+            <a:r>
+              <a:rPr lang="en-US" altLang="ko-KR" sz="1600" dirty="0"/>
+              <a:t>	</a:t>
+            </a:r>
+            <a:r>
+              <a:rPr lang="en-US" altLang="ko-KR" sz="1600" dirty="0" smtClean="0"/>
+              <a:t>	     </a:t>
+            </a:r>
+            <a:r>
+              <a:rPr lang="ko-KR" altLang="en-US" sz="1600" dirty="0" smtClean="0"/>
+              <a:t>알고리즘을 사용하여 분류를 수행할 때 유용  </a:t>
+            </a:r>
+            <a:endParaRPr lang="en-US" altLang="ko-KR" sz="1600" dirty="0" smtClean="0"/>
+          </a:p>
+          <a:p>
+            <a:pPr marL="914400" lvl="2" indent="0">
+              <a:buNone/>
+            </a:pPr>
+            <a:r>
+              <a:rPr lang="en-US" altLang="ko-KR" sz="1200" dirty="0" smtClean="0"/>
+              <a:t>	       </a:t>
+            </a:r>
+            <a:endParaRPr lang="en-US" altLang="ko-KR" sz="1200" dirty="0"/>
           </a:p>
         </p:txBody>
       </p:sp>
@@ -17319,7 +17618,7 @@
         </p:nvSpPr>
         <p:spPr>
           <a:xfrm>
-            <a:off x="1204144" y="2482022"/>
+            <a:off x="1204144" y="2704759"/>
             <a:ext cx="10092583" cy="4126168"/>
           </a:xfrm>
           <a:prstGeom prst="rect">
@@ -17451,7 +17750,7 @@
             <a:r>
               <a:rPr lang="en-US" altLang="ko-KR" sz="1600" dirty="0" err="1">
                 <a:solidFill>
-                  <a:schemeClr val="tx1"/>
+                  <a:srgbClr val="FF0000"/>
                 </a:solidFill>
               </a:rPr>
               <a:t>make_regression</a:t>
@@ -17841,7 +18140,7 @@
             <a:r>
               <a:rPr lang="en-US" altLang="ko-KR" sz="1600" dirty="0" err="1">
                 <a:solidFill>
-                  <a:schemeClr val="tx1"/>
+                  <a:srgbClr val="FF0000"/>
                 </a:solidFill>
               </a:rPr>
               <a:t>make_blobs</a:t>
